--- a/1-klc/2020 - Intro and KLC.pptx
+++ b/1-klc/2020 - Intro and KLC.pptx
@@ -230,7 +230,7 @@
           <a:p>
             <a:fld id="{711CC6FA-9237-9B4F-BB57-615877BD3F42}" type="datetimeFigureOut">
               <a:rPr lang="en-US" smtClean="0"/>
-              <a:t>11/15/2019</a:t>
+              <a:t>1/3/2020</a:t>
             </a:fld>
             <a:endParaRPr lang="en-US"/>
           </a:p>
@@ -396,7 +396,7 @@
           <a:p>
             <a:fld id="{D34450DD-A751-DA4B-BE18-55CD3375156D}" type="datetimeFigureOut">
               <a:rPr lang="en-US" smtClean="0"/>
-              <a:t>11/15/2019</a:t>
+              <a:t>1/3/2020</a:t>
             </a:fld>
             <a:endParaRPr lang="en-US"/>
           </a:p>
@@ -5877,11 +5877,7 @@
             </a:pPr>
             <a:r>
               <a:rPr lang="en-US" dirty="0" smtClean="0"/>
-              <a:t>Can run long uninterrupted </a:t>
-            </a:r>
-            <a:r>
-              <a:rPr lang="en-US" dirty="0" smtClean="0"/>
-              <a:t>jobs</a:t>
+              <a:t>Can run long uninterrupted jobs</a:t>
             </a:r>
             <a:endParaRPr lang="en-US" dirty="0"/>
           </a:p>
@@ -6014,11 +6010,6 @@
               </a:rPr>
               <a:t>/computing/kellogg_linux_cluster</a:t>
             </a:r>
-            <a:endParaRPr lang="en-US" b="1" dirty="0">
-              <a:solidFill>
-                <a:srgbClr val="7030A0"/>
-              </a:solidFill>
-            </a:endParaRPr>
           </a:p>
         </p:txBody>
       </p:sp>
@@ -6261,7 +6252,7 @@
         <p:spPr>
           <a:xfrm>
             <a:off x="457200" y="1220757"/>
-            <a:ext cx="8761445" cy="2585323"/>
+            <a:ext cx="8761445" cy="2031325"/>
           </a:xfrm>
           <a:prstGeom prst="rect">
             <a:avLst/>
@@ -6322,40 +6313,25 @@
             </a:pPr>
             <a:r>
               <a:rPr lang="en-US" dirty="0" smtClean="0"/>
-              <a:t>Load software first.</a:t>
-            </a:r>
-            <a:endParaRPr lang="en-US" dirty="0" smtClean="0"/>
+              <a:t>Graphical </a:t>
+            </a:r>
+            <a:r>
+              <a:rPr lang="en-US" dirty="0" smtClean="0"/>
+              <a:t>interface (X11) is easy, but command line is faster</a:t>
+            </a:r>
+            <a:r>
+              <a:rPr lang="en-US" dirty="0" smtClean="0"/>
+              <a:t>.</a:t>
+            </a:r>
+          </a:p>
+          <a:p>
+            <a:endParaRPr lang="en-US" dirty="0"/>
           </a:p>
           <a:p>
             <a:pPr marL="742950" lvl="1" indent="-285750">
               <a:buFont typeface="Arial" panose="020B0604020202020204" pitchFamily="34" charset="0"/>
               <a:buChar char="•"/>
             </a:pPr>
-            <a:endParaRPr lang="en-US" dirty="0" smtClean="0"/>
-          </a:p>
-          <a:p>
-            <a:pPr marL="742950" lvl="1" indent="-285750">
-              <a:buFont typeface="Arial" panose="020B0604020202020204" pitchFamily="34" charset="0"/>
-              <a:buChar char="•"/>
-            </a:pPr>
-            <a:r>
-              <a:rPr lang="en-US" dirty="0" smtClean="0"/>
-              <a:t>Graphical interface (X11) is easy, but command line is faster.</a:t>
-            </a:r>
-            <a:endParaRPr lang="en-US" dirty="0" smtClean="0"/>
-          </a:p>
-          <a:p>
-            <a:pPr marL="1200150" lvl="2" indent="-285750">
-              <a:buFont typeface="Courier New" panose="02070309020205020404" pitchFamily="49" charset="0"/>
-              <a:buChar char="o"/>
-            </a:pPr>
-            <a:endParaRPr lang="en-US" dirty="0"/>
-          </a:p>
-          <a:p>
-            <a:pPr marL="742950" lvl="1" indent="-285750">
-              <a:buFont typeface="Arial" panose="020B0604020202020204" pitchFamily="34" charset="0"/>
-              <a:buChar char="•"/>
-            </a:pPr>
             <a:r>
               <a:rPr lang="en-US" dirty="0" err="1" smtClean="0"/>
               <a:t>FastX</a:t>
@@ -6370,11 +6346,7 @@
             </a:r>
             <a:r>
               <a:rPr lang="en-US" dirty="0" smtClean="0"/>
-              <a:t> jobs die when you lose </a:t>
-            </a:r>
-            <a:r>
-              <a:rPr lang="en-US" smtClean="0"/>
-              <a:t>your connection. </a:t>
+              <a:t> jobs die when you lose your connection. </a:t>
             </a:r>
             <a:endParaRPr lang="en-US" dirty="0"/>
           </a:p>
@@ -6420,11 +6392,6 @@
               </a:rPr>
               <a:t>/computing/kellogg_linux_cluster</a:t>
             </a:r>
-            <a:endParaRPr lang="en-US" b="1" dirty="0">
-              <a:solidFill>
-                <a:srgbClr val="7030A0"/>
-              </a:solidFill>
-            </a:endParaRPr>
           </a:p>
         </p:txBody>
       </p:sp>

--- a/1-klc/2020 - Intro and KLC.pptx
+++ b/1-klc/2020 - Intro and KLC.pptx
@@ -230,7 +230,7 @@
           <a:p>
             <a:fld id="{711CC6FA-9237-9B4F-BB57-615877BD3F42}" type="datetimeFigureOut">
               <a:rPr lang="en-US" smtClean="0"/>
-              <a:t>1/3/2020</a:t>
+              <a:t>1/9/2020</a:t>
             </a:fld>
             <a:endParaRPr lang="en-US"/>
           </a:p>
@@ -396,7 +396,7 @@
           <a:p>
             <a:fld id="{D34450DD-A751-DA4B-BE18-55CD3375156D}" type="datetimeFigureOut">
               <a:rPr lang="en-US" smtClean="0"/>
-              <a:t>1/3/2020</a:t>
+              <a:t>1/9/2020</a:t>
             </a:fld>
             <a:endParaRPr lang="en-US"/>
           </a:p>
@@ -710,7 +710,33 @@
           <a:p>
             <a:r>
               <a:rPr lang="en-US" dirty="0"/>
-              <a:t>Welcome. We are so happy you’re here.</a:t>
+              <a:t>Welcome. We are so happy you’re here. </a:t>
+            </a:r>
+          </a:p>
+          <a:p>
+            <a:r>
+              <a:rPr lang="en-US" dirty="0"/>
+              <a:t>This is the 2</a:t>
+            </a:r>
+            <a:r>
+              <a:rPr lang="en-US" baseline="30000" dirty="0"/>
+              <a:t>nd</a:t>
+            </a:r>
+            <a:r>
+              <a:rPr lang="en-US" dirty="0"/>
+              <a:t> year for the PhD Program and Research Support to offer something like this.</a:t>
+            </a:r>
+          </a:p>
+          <a:p>
+            <a:r>
+              <a:rPr lang="en-US" dirty="0"/>
+              <a:t>This is one of many things Kellogg does to build community and enrich your student experience.</a:t>
+            </a:r>
+          </a:p>
+          <a:p>
+            <a:r>
+              <a:rPr lang="en-US" dirty="0"/>
+              <a:t>OUR GOAL:  EQUIP YOU WITH MANY OF THE TOOLS AND TECHNIQUES THAT HELP US TO BE VERY EFFICIENT AND VERY CONFIDENT WORKING WITH COMPLEX DATA.</a:t>
             </a:r>
           </a:p>
         </p:txBody>
@@ -795,7 +821,58 @@
           <a:bodyPr/>
           <a:lstStyle/>
           <a:p>
-            <a:endParaRPr lang="en-US" dirty="0"/>
+            <a:r>
+              <a:rPr lang="en-US" dirty="0"/>
+              <a:t>We decided this year, the focus should be on preparing you for practical applied problems that come up over and over in research.</a:t>
+            </a:r>
+          </a:p>
+          <a:p>
+            <a:r>
+              <a:rPr lang="en-US" dirty="0"/>
+              <a:t>&lt;REVEAL&gt;</a:t>
+            </a:r>
+          </a:p>
+          <a:p>
+            <a:r>
+              <a:rPr lang="en-US" dirty="0"/>
+              <a:t>These topics are where we are heading. The last two weeks will tie together a lot of the content from the earlier weeks with interactive demos.</a:t>
+            </a:r>
+          </a:p>
+          <a:p>
+            <a:r>
+              <a:rPr lang="en-US" dirty="0"/>
+              <a:t>&lt;REVEAL&gt;</a:t>
+            </a:r>
+          </a:p>
+          <a:p>
+            <a:r>
+              <a:rPr lang="en-US" dirty="0"/>
+              <a:t>Before we can tackle those problems, you will need some advanced techniques to apply. The middle weeks will cover these advanced techniques – some are ends unto themselves, or they are tools for solving later problems.</a:t>
+            </a:r>
+          </a:p>
+          <a:p>
+            <a:r>
+              <a:rPr lang="en-US" dirty="0"/>
+              <a:t>&lt;REVEAL&gt;</a:t>
+            </a:r>
+          </a:p>
+          <a:p>
+            <a:r>
+              <a:rPr lang="en-US" dirty="0"/>
+              <a:t>These are fundamental skills and ideas that will help you prepare for the later weeks of this workshop, plus a LOT of situations that will come up.</a:t>
+            </a:r>
+          </a:p>
+          <a:p>
+            <a:r>
+              <a:rPr lang="en-US" dirty="0"/>
+              <a:t>Reproducibility habits are something EVERY researcher needs to think about and develop, no matter what research methods she uses.</a:t>
+            </a:r>
+          </a:p>
+          <a:p>
+            <a:r>
+              <a:rPr lang="en-US" dirty="0"/>
+              <a:t>Today we will walk through the basics of SQL and of using KLC.</a:t>
+            </a:r>
           </a:p>
         </p:txBody>
       </p:sp>
@@ -879,6 +956,32 @@
           <a:bodyPr/>
           <a:lstStyle/>
           <a:p>
+            <a:r>
+              <a:rPr lang="en-US" dirty="0"/>
+              <a:t>POLL: Has everyone been able to log in?</a:t>
+            </a:r>
+          </a:p>
+          <a:p>
+            <a:r>
+              <a:rPr lang="en-US" dirty="0"/>
+              <a:t>Get to know this! High performance system, lots of storage capacity and collaborative ability. Free software. (Almost) always on.</a:t>
+            </a:r>
+          </a:p>
+          <a:p>
+            <a:endParaRPr lang="en-US" dirty="0"/>
+          </a:p>
+          <a:p>
+            <a:endParaRPr lang="en-US" dirty="0"/>
+          </a:p>
+          <a:p>
+            <a:r>
+              <a:rPr lang="en-US" dirty="0"/>
+              <a:t>ESC …   ALT-TAB to get to </a:t>
+            </a:r>
+            <a:r>
+              <a:rPr lang="en-US" dirty="0" err="1"/>
+              <a:t>MobaXterm</a:t>
+            </a:r>
             <a:endParaRPr lang="en-US" dirty="0"/>
           </a:p>
         </p:txBody>
@@ -1203,7 +1306,7 @@
           <a:lstStyle/>
           <a:p>
             <a:r>
-              <a:rPr lang="en-US" smtClean="0"/>
+              <a:rPr lang="en-US"/>
               <a:t>Introduction and KLC</a:t>
             </a:r>
             <a:endParaRPr lang="en-US" dirty="0"/>
@@ -1516,7 +1619,7 @@
           <a:lstStyle/>
           <a:p>
             <a:r>
-              <a:rPr lang="en-US" smtClean="0"/>
+              <a:rPr lang="en-US"/>
               <a:t>Introduction and KLC</a:t>
             </a:r>
             <a:endParaRPr lang="en-US" dirty="0"/>
@@ -1615,7 +1718,7 @@
           <a:lstStyle/>
           <a:p>
             <a:r>
-              <a:rPr lang="en-US" smtClean="0"/>
+              <a:rPr lang="en-US"/>
               <a:t>Introduction and KLC</a:t>
             </a:r>
             <a:endParaRPr lang="en-US" dirty="0"/>
@@ -1692,7 +1795,7 @@
           <a:lstStyle/>
           <a:p>
             <a:r>
-              <a:rPr lang="en-US" smtClean="0"/>
+              <a:rPr lang="en-US"/>
               <a:t>Introduction and KLC</a:t>
             </a:r>
             <a:endParaRPr lang="en-US" dirty="0"/>
@@ -1842,7 +1945,7 @@
           <a:lstStyle/>
           <a:p>
             <a:r>
-              <a:rPr lang="en-US" smtClean="0"/>
+              <a:rPr lang="en-US"/>
               <a:t>Introduction and KLC</a:t>
             </a:r>
             <a:endParaRPr lang="en-US" dirty="0"/>
@@ -2071,7 +2174,7 @@
           <a:lstStyle/>
           <a:p>
             <a:r>
-              <a:rPr lang="en-US" smtClean="0"/>
+              <a:rPr lang="en-US"/>
               <a:t>Introduction and KLC</a:t>
             </a:r>
             <a:endParaRPr lang="en-US" dirty="0"/>
@@ -2342,7 +2445,7 @@
           <a:lstStyle/>
           <a:p>
             <a:r>
-              <a:rPr lang="en-US" smtClean="0"/>
+              <a:rPr lang="en-US"/>
               <a:t>Introduction and KLC</a:t>
             </a:r>
             <a:endParaRPr lang="en-US" dirty="0"/>
@@ -2441,7 +2544,7 @@
           <a:lstStyle/>
           <a:p>
             <a:r>
-              <a:rPr lang="en-US" smtClean="0"/>
+              <a:rPr lang="en-US"/>
               <a:t>Introduction and KLC</a:t>
             </a:r>
             <a:endParaRPr lang="en-US" dirty="0"/>
@@ -2518,7 +2621,7 @@
           <a:lstStyle/>
           <a:p>
             <a:r>
-              <a:rPr lang="en-US" smtClean="0"/>
+              <a:rPr lang="en-US"/>
               <a:t>Introduction and KLC</a:t>
             </a:r>
             <a:endParaRPr lang="en-US" dirty="0"/>
@@ -2757,7 +2860,7 @@
           <a:lstStyle/>
           <a:p>
             <a:r>
-              <a:rPr lang="en-US" smtClean="0"/>
+              <a:rPr lang="en-US"/>
               <a:t>Introduction and KLC</a:t>
             </a:r>
             <a:endParaRPr lang="en-US" dirty="0"/>
@@ -3145,7 +3248,7 @@
           <a:lstStyle/>
           <a:p>
             <a:r>
-              <a:rPr lang="en-US" smtClean="0"/>
+              <a:rPr lang="en-US"/>
               <a:t>Introduction and KLC</a:t>
             </a:r>
             <a:endParaRPr lang="en-US" dirty="0"/>
@@ -3374,7 +3477,7 @@
           <a:lstStyle/>
           <a:p>
             <a:r>
-              <a:rPr lang="en-US" smtClean="0"/>
+              <a:rPr lang="en-US"/>
               <a:t>Introduction and KLC</a:t>
             </a:r>
             <a:endParaRPr lang="en-US" dirty="0"/>
@@ -3611,7 +3714,7 @@
           </a:lstStyle>
           <a:p>
             <a:r>
-              <a:rPr lang="en-US" smtClean="0"/>
+              <a:rPr lang="en-US"/>
               <a:t>Introduction and KLC</a:t>
             </a:r>
             <a:endParaRPr lang="en-US" dirty="0"/>
@@ -4081,7 +4184,7 @@
           </a:lstStyle>
           <a:p>
             <a:r>
-              <a:rPr lang="en-US" smtClean="0"/>
+              <a:rPr lang="en-US"/>
               <a:t>Introduction and KLC</a:t>
             </a:r>
             <a:endParaRPr lang="en-US" dirty="0"/>
@@ -4396,25 +4499,16 @@
           <a:lstStyle/>
           <a:p>
             <a:r>
-              <a:rPr lang="en-US" dirty="0" smtClean="0"/>
+              <a:rPr lang="en-US" dirty="0"/>
               <a:t>Introduction and KLC</a:t>
             </a:r>
             <a:br>
-              <a:rPr lang="en-US" dirty="0" smtClean="0"/>
+              <a:rPr lang="en-US" dirty="0"/>
             </a:br>
             <a:r>
-              <a:rPr lang="en-US" sz="2400" dirty="0" smtClean="0"/>
-              <a:t>Data </a:t>
-            </a:r>
-            <a:r>
               <a:rPr lang="en-US" sz="2400" dirty="0"/>
-              <a:t>Skills for </a:t>
-            </a:r>
-            <a:r>
-              <a:rPr lang="en-US" sz="2400" dirty="0" smtClean="0"/>
-              <a:t>Empirical Research (DRAFT)</a:t>
-            </a:r>
-            <a:endParaRPr lang="en-US" sz="2400" dirty="0"/>
+              <a:t>Data Skills for Empirical Research</a:t>
+            </a:r>
           </a:p>
         </p:txBody>
       </p:sp>
@@ -4437,10 +4531,9 @@
           </a:p>
           <a:p>
             <a:r>
-              <a:rPr lang="en-US" dirty="0" smtClean="0"/>
+              <a:rPr lang="en-US" dirty="0"/>
               <a:t>Winter, 2020</a:t>
             </a:r>
-            <a:endParaRPr lang="en-US" dirty="0"/>
           </a:p>
         </p:txBody>
       </p:sp>
@@ -4490,10 +4583,9 @@
           <a:lstStyle/>
           <a:p>
             <a:r>
-              <a:rPr lang="en-US" dirty="0" smtClean="0"/>
+              <a:rPr lang="en-US" dirty="0"/>
               <a:t>Outline for the Workshops</a:t>
             </a:r>
-            <a:endParaRPr lang="en-US" dirty="0"/>
           </a:p>
         </p:txBody>
       </p:sp>
@@ -4513,7 +4605,7 @@
           <a:lstStyle/>
           <a:p>
             <a:r>
-              <a:rPr lang="en-US" smtClean="0"/>
+              <a:rPr lang="en-US"/>
               <a:t>Introduction and KLC</a:t>
             </a:r>
             <a:endParaRPr lang="en-US" dirty="0"/>
@@ -4596,21 +4688,8 @@
                   <a:schemeClr val="tx1"/>
                 </a:solidFill>
               </a:rPr>
-              <a:t>Using </a:t>
-            </a:r>
-            <a:r>
-              <a:rPr lang="en-US" dirty="0" smtClean="0">
-                <a:solidFill>
-                  <a:schemeClr val="tx1"/>
-                </a:solidFill>
-              </a:rPr>
-              <a:t>KLC</a:t>
-            </a:r>
-            <a:endParaRPr lang="en-US" dirty="0">
-              <a:solidFill>
-                <a:schemeClr val="tx1"/>
-              </a:solidFill>
-            </a:endParaRPr>
+              <a:t>Using KLC</a:t>
+            </a:r>
           </a:p>
         </p:txBody>
       </p:sp>
@@ -4661,18 +4740,13 @@
           <a:p>
             <a:pPr algn="ctr"/>
             <a:r>
-              <a:rPr lang="en-US" dirty="0" smtClean="0">
+              <a:rPr lang="en-US" dirty="0">
                 <a:solidFill>
                   <a:schemeClr val="tx1"/>
                 </a:solidFill>
               </a:rPr>
               <a:t>Make Jobs Run Faster</a:t>
             </a:r>
-            <a:endParaRPr lang="en-US" dirty="0">
-              <a:solidFill>
-                <a:schemeClr val="tx1"/>
-              </a:solidFill>
-            </a:endParaRPr>
           </a:p>
         </p:txBody>
       </p:sp>
@@ -4723,7 +4797,7 @@
           <a:p>
             <a:pPr algn="ctr"/>
             <a:r>
-              <a:rPr lang="en-US" dirty="0" smtClean="0">
+              <a:rPr lang="en-US" dirty="0">
                 <a:solidFill>
                   <a:schemeClr val="tx1"/>
                 </a:solidFill>
@@ -4732,13 +4806,6 @@
               </a:rPr>
               <a:t>Write Bulletproof Jobs</a:t>
             </a:r>
-            <a:endParaRPr lang="en-US" dirty="0">
-              <a:solidFill>
-                <a:schemeClr val="tx1"/>
-              </a:solidFill>
-              <a:latin typeface="+mj-lt"/>
-              <a:cs typeface="Calibri" panose="020F0502020204030204" pitchFamily="34" charset="0"/>
-            </a:endParaRPr>
           </a:p>
         </p:txBody>
       </p:sp>
@@ -4789,18 +4856,13 @@
           <a:p>
             <a:pPr algn="ctr"/>
             <a:r>
-              <a:rPr lang="en-US" dirty="0" smtClean="0">
+              <a:rPr lang="en-US" dirty="0">
                 <a:solidFill>
                   <a:schemeClr val="tx1"/>
                 </a:solidFill>
               </a:rPr>
               <a:t>Regular Expressions</a:t>
             </a:r>
-            <a:endParaRPr lang="en-US" dirty="0">
-              <a:solidFill>
-                <a:schemeClr val="tx1"/>
-              </a:solidFill>
-            </a:endParaRPr>
           </a:p>
         </p:txBody>
       </p:sp>
@@ -4851,18 +4913,13 @@
           <a:p>
             <a:pPr algn="ctr"/>
             <a:r>
-              <a:rPr lang="en-US" dirty="0" smtClean="0">
+              <a:rPr lang="en-US" dirty="0">
                 <a:solidFill>
                   <a:schemeClr val="tx1"/>
                 </a:solidFill>
               </a:rPr>
               <a:t>Natural Language Processing</a:t>
             </a:r>
-            <a:endParaRPr lang="en-US" dirty="0">
-              <a:solidFill>
-                <a:schemeClr val="tx1"/>
-              </a:solidFill>
-            </a:endParaRPr>
           </a:p>
         </p:txBody>
       </p:sp>
@@ -4913,18 +4970,13 @@
           <a:p>
             <a:pPr algn="ctr"/>
             <a:r>
-              <a:rPr lang="en-US" dirty="0" smtClean="0">
+              <a:rPr lang="en-US" dirty="0">
                 <a:solidFill>
                   <a:schemeClr val="tx1"/>
                 </a:solidFill>
               </a:rPr>
               <a:t>Web Harvesting</a:t>
             </a:r>
-            <a:endParaRPr lang="en-US" dirty="0">
-              <a:solidFill>
-                <a:schemeClr val="tx1"/>
-              </a:solidFill>
-            </a:endParaRPr>
           </a:p>
         </p:txBody>
       </p:sp>
@@ -4975,18 +5027,13 @@
           <a:p>
             <a:pPr algn="ctr"/>
             <a:r>
-              <a:rPr lang="en-US" dirty="0" smtClean="0">
+              <a:rPr lang="en-US" dirty="0">
                 <a:solidFill>
                   <a:schemeClr val="tx1"/>
                 </a:solidFill>
               </a:rPr>
               <a:t>Validate, Fix Your Data</a:t>
             </a:r>
-            <a:endParaRPr lang="en-US" dirty="0">
-              <a:solidFill>
-                <a:schemeClr val="tx1"/>
-              </a:solidFill>
-            </a:endParaRPr>
           </a:p>
         </p:txBody>
       </p:sp>
@@ -5037,18 +5084,13 @@
           <a:p>
             <a:pPr algn="ctr"/>
             <a:r>
-              <a:rPr lang="en-US" dirty="0" smtClean="0">
+              <a:rPr lang="en-US" dirty="0">
                 <a:solidFill>
                   <a:schemeClr val="tx1"/>
                 </a:solidFill>
               </a:rPr>
               <a:t>Reproducibility Habits</a:t>
             </a:r>
-            <a:endParaRPr lang="en-US" dirty="0">
-              <a:solidFill>
-                <a:schemeClr val="tx1"/>
-              </a:solidFill>
-            </a:endParaRPr>
           </a:p>
         </p:txBody>
       </p:sp>
@@ -5066,8 +5108,8 @@
         </p:nvSpPr>
         <p:spPr>
           <a:xfrm>
-            <a:off x="4666898" y="4449163"/>
-            <a:ext cx="2048051" cy="1291930"/>
+            <a:off x="4666898" y="4433079"/>
+            <a:ext cx="2048051" cy="1308014"/>
           </a:xfrm>
           <a:prstGeom prst="rect">
             <a:avLst/>
@@ -5099,18 +5141,13 @@
           <a:p>
             <a:pPr algn="ctr"/>
             <a:r>
-              <a:rPr lang="en-US" dirty="0" smtClean="0">
+              <a:rPr lang="en-US" dirty="0">
                 <a:solidFill>
                   <a:schemeClr val="tx1"/>
                 </a:solidFill>
               </a:rPr>
               <a:t>SQL Basics</a:t>
             </a:r>
-            <a:endParaRPr lang="en-US" dirty="0">
-              <a:solidFill>
-                <a:schemeClr val="tx1"/>
-              </a:solidFill>
-            </a:endParaRPr>
           </a:p>
         </p:txBody>
       </p:sp>
@@ -5128,8 +5165,8 @@
         </p:nvSpPr>
         <p:spPr>
           <a:xfrm>
-            <a:off x="6846871" y="4449163"/>
-            <a:ext cx="2048051" cy="1291930"/>
+            <a:off x="6846871" y="4438135"/>
+            <a:ext cx="2048051" cy="1308014"/>
           </a:xfrm>
           <a:prstGeom prst="rect">
             <a:avLst/>
@@ -5161,18 +5198,13 @@
           <a:p>
             <a:pPr algn="ctr"/>
             <a:r>
-              <a:rPr lang="en-US" dirty="0" smtClean="0">
+              <a:rPr lang="en-US" dirty="0">
                 <a:solidFill>
                   <a:schemeClr val="tx1"/>
                 </a:solidFill>
               </a:rPr>
               <a:t>Python Basics</a:t>
             </a:r>
-            <a:endParaRPr lang="en-US" dirty="0">
-              <a:solidFill>
-                <a:schemeClr val="tx1"/>
-              </a:solidFill>
-            </a:endParaRPr>
           </a:p>
         </p:txBody>
       </p:sp>
@@ -5223,18 +5255,13 @@
           <a:p>
             <a:pPr algn="ctr"/>
             <a:r>
-              <a:rPr lang="en-US" dirty="0" smtClean="0">
+              <a:rPr lang="en-US" dirty="0">
                 <a:solidFill>
                   <a:schemeClr val="tx1"/>
                 </a:solidFill>
               </a:rPr>
               <a:t>Visualization</a:t>
             </a:r>
-            <a:endParaRPr lang="en-US" dirty="0">
-              <a:solidFill>
-                <a:schemeClr val="tx1"/>
-              </a:solidFill>
-            </a:endParaRPr>
           </a:p>
         </p:txBody>
       </p:sp>
@@ -5269,7 +5296,7 @@
                             </p:stCondLst>
                             <p:childTnLst>
                               <p:par>
-                                <p:cTn id="5" presetID="10" presetClass="entr" presetSubtype="0" fill="hold" grpId="0" nodeType="clickEffect">
+                                <p:cTn id="5" presetID="1" presetClass="entr" presetSubtype="0" fill="hold" grpId="0" nodeType="clickEffect">
                                   <p:stCondLst>
                                     <p:cond delay="0"/>
                                   </p:stCondLst>
@@ -5277,6 +5304,105 @@
                                     <p:set>
                                       <p:cBhvr>
                                         <p:cTn id="6" dur="1" fill="hold">
+                                          <p:stCondLst>
+                                            <p:cond delay="0"/>
+                                          </p:stCondLst>
+                                        </p:cTn>
+                                        <p:tgtEl>
+                                          <p:spTgt spid="20"/>
+                                        </p:tgtEl>
+                                        <p:attrNameLst>
+                                          <p:attrName>style.visibility</p:attrName>
+                                        </p:attrNameLst>
+                                      </p:cBhvr>
+                                      <p:to>
+                                        <p:strVal val="visible"/>
+                                      </p:to>
+                                    </p:set>
+                                  </p:childTnLst>
+                                </p:cTn>
+                              </p:par>
+                              <p:par>
+                                <p:cTn id="7" presetID="1" presetClass="entr" presetSubtype="0" fill="hold" grpId="0" nodeType="withEffect">
+                                  <p:stCondLst>
+                                    <p:cond delay="0"/>
+                                  </p:stCondLst>
+                                  <p:childTnLst>
+                                    <p:set>
+                                      <p:cBhvr>
+                                        <p:cTn id="8" dur="1" fill="hold">
+                                          <p:stCondLst>
+                                            <p:cond delay="0"/>
+                                          </p:stCondLst>
+                                        </p:cTn>
+                                        <p:tgtEl>
+                                          <p:spTgt spid="10"/>
+                                        </p:tgtEl>
+                                        <p:attrNameLst>
+                                          <p:attrName>style.visibility</p:attrName>
+                                        </p:attrNameLst>
+                                      </p:cBhvr>
+                                      <p:to>
+                                        <p:strVal val="visible"/>
+                                      </p:to>
+                                    </p:set>
+                                  </p:childTnLst>
+                                </p:cTn>
+                              </p:par>
+                              <p:par>
+                                <p:cTn id="9" presetID="1" presetClass="entr" presetSubtype="0" fill="hold" grpId="0" nodeType="withEffect">
+                                  <p:stCondLst>
+                                    <p:cond delay="0"/>
+                                  </p:stCondLst>
+                                  <p:childTnLst>
+                                    <p:set>
+                                      <p:cBhvr>
+                                        <p:cTn id="10" dur="1" fill="hold">
+                                          <p:stCondLst>
+                                            <p:cond delay="0"/>
+                                          </p:stCondLst>
+                                        </p:cTn>
+                                        <p:tgtEl>
+                                          <p:spTgt spid="13"/>
+                                        </p:tgtEl>
+                                        <p:attrNameLst>
+                                          <p:attrName>style.visibility</p:attrName>
+                                        </p:attrNameLst>
+                                      </p:cBhvr>
+                                      <p:to>
+                                        <p:strVal val="visible"/>
+                                      </p:to>
+                                    </p:set>
+                                  </p:childTnLst>
+                                </p:cTn>
+                              </p:par>
+                            </p:childTnLst>
+                          </p:cTn>
+                        </p:par>
+                      </p:childTnLst>
+                    </p:cTn>
+                  </p:par>
+                  <p:par>
+                    <p:cTn id="11" fill="hold">
+                      <p:stCondLst>
+                        <p:cond delay="indefinite"/>
+                      </p:stCondLst>
+                      <p:childTnLst>
+                        <p:par>
+                          <p:cTn id="12" fill="hold">
+                            <p:stCondLst>
+                              <p:cond delay="0"/>
+                            </p:stCondLst>
+                            <p:childTnLst>
+                              <p:par>
+                                <p:cTn id="13" presetID="1" presetClass="entr" presetSubtype="0" fill="hold" grpId="0" nodeType="clickEffect">
+                                  <p:stCondLst>
+                                    <p:cond delay="0"/>
+                                  </p:stCondLst>
+                                  <p:childTnLst>
+                                    <p:set>
+                                      <p:cBhvr>
+                                        <p:cTn id="14" dur="1" fill="hold">
                                           <p:stCondLst>
                                             <p:cond delay="0"/>
                                           </p:stCondLst>
@@ -5292,26 +5418,72 @@
                                         <p:strVal val="visible"/>
                                       </p:to>
                                     </p:set>
-                                    <p:animEffect transition="in" filter="fade">
-                                      <p:cBhvr>
-                                        <p:cTn id="7" dur="500"/>
-                                        <p:tgtEl>
-                                          <p:spTgt spid="17"/>
-                                        </p:tgtEl>
-                                      </p:cBhvr>
-                                    </p:animEffect>
                                   </p:childTnLst>
                                 </p:cTn>
                               </p:par>
                               <p:par>
-                                <p:cTn id="8" presetID="10" presetClass="entr" presetSubtype="0" fill="hold" grpId="0" nodeType="withEffect">
+                                <p:cTn id="15" presetID="1" presetClass="entr" presetSubtype="0" fill="hold" grpId="0" nodeType="withEffect">
                                   <p:stCondLst>
                                     <p:cond delay="0"/>
                                   </p:stCondLst>
                                   <p:childTnLst>
                                     <p:set>
                                       <p:cBhvr>
-                                        <p:cTn id="9" dur="1" fill="hold">
+                                        <p:cTn id="16" dur="1" fill="hold">
+                                          <p:stCondLst>
+                                            <p:cond delay="0"/>
+                                          </p:stCondLst>
+                                        </p:cTn>
+                                        <p:tgtEl>
+                                          <p:spTgt spid="14"/>
+                                        </p:tgtEl>
+                                        <p:attrNameLst>
+                                          <p:attrName>style.visibility</p:attrName>
+                                        </p:attrNameLst>
+                                      </p:cBhvr>
+                                      <p:to>
+                                        <p:strVal val="visible"/>
+                                      </p:to>
+                                    </p:set>
+                                  </p:childTnLst>
+                                </p:cTn>
+                              </p:par>
+                              <p:par>
+                                <p:cTn id="17" presetID="1" presetClass="entr" presetSubtype="0" fill="hold" grpId="0" nodeType="withEffect">
+                                  <p:stCondLst>
+                                    <p:cond delay="0"/>
+                                  </p:stCondLst>
+                                  <p:childTnLst>
+                                    <p:set>
+                                      <p:cBhvr>
+                                        <p:cTn id="18" dur="1" fill="hold">
+                                          <p:stCondLst>
+                                            <p:cond delay="0"/>
+                                          </p:stCondLst>
+                                        </p:cTn>
+                                        <p:tgtEl>
+                                          <p:spTgt spid="22"/>
+                                        </p:tgtEl>
+                                        <p:attrNameLst>
+                                          <p:attrName>style.visibility</p:attrName>
+                                        </p:attrNameLst>
+                                      </p:cBhvr>
+                                      <p:to>
+                                        <p:strVal val="visible"/>
+                                      </p:to>
+                                    </p:set>
+                                  </p:childTnLst>
+                                </p:cTn>
+                              </p:par>
+                              <p:par>
+                                <p:cTn id="19" presetID="1" presetClass="entr" presetSubtype="0" fill="hold" grpId="0" nodeType="withEffect">
+                                  <p:stCondLst>
+                                    <p:cond delay="0"/>
+                                  </p:stCondLst>
+                                  <p:childTnLst>
+                                    <p:set>
+                                      <p:cBhvr>
+                                        <p:cTn id="20" dur="1" fill="hold">
                                           <p:stCondLst>
                                             <p:cond delay="0"/>
                                           </p:stCondLst>
@@ -5327,84 +5499,6 @@
                                         <p:strVal val="visible"/>
                                       </p:to>
                                     </p:set>
-                                    <p:animEffect transition="in" filter="fade">
-                                      <p:cBhvr>
-                                        <p:cTn id="10" dur="500"/>
-                                        <p:tgtEl>
-                                          <p:spTgt spid="18"/>
-                                        </p:tgtEl>
-                                      </p:cBhvr>
-                                    </p:animEffect>
-                                  </p:childTnLst>
-                                </p:cTn>
-                              </p:par>
-                              <p:par>
-                                <p:cTn id="11" presetID="10" presetClass="entr" presetSubtype="0" fill="hold" grpId="0" nodeType="withEffect">
-                                  <p:stCondLst>
-                                    <p:cond delay="0"/>
-                                  </p:stCondLst>
-                                  <p:childTnLst>
-                                    <p:set>
-                                      <p:cBhvr>
-                                        <p:cTn id="12" dur="1" fill="hold">
-                                          <p:stCondLst>
-                                            <p:cond delay="0"/>
-                                          </p:stCondLst>
-                                        </p:cTn>
-                                        <p:tgtEl>
-                                          <p:spTgt spid="22"/>
-                                        </p:tgtEl>
-                                        <p:attrNameLst>
-                                          <p:attrName>style.visibility</p:attrName>
-                                        </p:attrNameLst>
-                                      </p:cBhvr>
-                                      <p:to>
-                                        <p:strVal val="visible"/>
-                                      </p:to>
-                                    </p:set>
-                                    <p:animEffect transition="in" filter="fade">
-                                      <p:cBhvr>
-                                        <p:cTn id="13" dur="500"/>
-                                        <p:tgtEl>
-                                          <p:spTgt spid="22"/>
-                                        </p:tgtEl>
-                                      </p:cBhvr>
-                                    </p:animEffect>
-                                  </p:childTnLst>
-                                </p:cTn>
-                              </p:par>
-                              <p:par>
-                                <p:cTn id="14" presetID="10" presetClass="entr" presetSubtype="0" fill="hold" grpId="0" nodeType="withEffect">
-                                  <p:stCondLst>
-                                    <p:cond delay="0"/>
-                                  </p:stCondLst>
-                                  <p:childTnLst>
-                                    <p:set>
-                                      <p:cBhvr>
-                                        <p:cTn id="15" dur="1" fill="hold">
-                                          <p:stCondLst>
-                                            <p:cond delay="0"/>
-                                          </p:stCondLst>
-                                        </p:cTn>
-                                        <p:tgtEl>
-                                          <p:spTgt spid="14"/>
-                                        </p:tgtEl>
-                                        <p:attrNameLst>
-                                          <p:attrName>style.visibility</p:attrName>
-                                        </p:attrNameLst>
-                                      </p:cBhvr>
-                                      <p:to>
-                                        <p:strVal val="visible"/>
-                                      </p:to>
-                                    </p:set>
-                                    <p:animEffect transition="in" filter="fade">
-                                      <p:cBhvr>
-                                        <p:cTn id="16" dur="500"/>
-                                        <p:tgtEl>
-                                          <p:spTgt spid="14"/>
-                                        </p:tgtEl>
-                                      </p:cBhvr>
-                                    </p:animEffect>
                                   </p:childTnLst>
                                 </p:cTn>
                               </p:par>
@@ -5415,149 +5509,26 @@
                     </p:cTn>
                   </p:par>
                   <p:par>
-                    <p:cTn id="17" fill="hold">
+                    <p:cTn id="21" fill="hold">
                       <p:stCondLst>
                         <p:cond delay="indefinite"/>
                       </p:stCondLst>
                       <p:childTnLst>
                         <p:par>
-                          <p:cTn id="18" fill="hold">
+                          <p:cTn id="22" fill="hold">
                             <p:stCondLst>
                               <p:cond delay="0"/>
                             </p:stCondLst>
                             <p:childTnLst>
                               <p:par>
-                                <p:cTn id="19" presetID="10" presetClass="entr" presetSubtype="0" fill="hold" grpId="0" nodeType="clickEffect">
+                                <p:cTn id="23" presetID="1" presetClass="entr" presetSubtype="0" fill="hold" grpId="0" nodeType="clickEffect">
                                   <p:stCondLst>
                                     <p:cond delay="0"/>
                                   </p:stCondLst>
                                   <p:childTnLst>
                                     <p:set>
                                       <p:cBhvr>
-                                        <p:cTn id="20" dur="1" fill="hold">
-                                          <p:stCondLst>
-                                            <p:cond delay="0"/>
-                                          </p:stCondLst>
-                                        </p:cTn>
-                                        <p:tgtEl>
-                                          <p:spTgt spid="20"/>
-                                        </p:tgtEl>
-                                        <p:attrNameLst>
-                                          <p:attrName>style.visibility</p:attrName>
-                                        </p:attrNameLst>
-                                      </p:cBhvr>
-                                      <p:to>
-                                        <p:strVal val="visible"/>
-                                      </p:to>
-                                    </p:set>
-                                    <p:animEffect transition="in" filter="fade">
-                                      <p:cBhvr>
-                                        <p:cTn id="21" dur="500"/>
-                                        <p:tgtEl>
-                                          <p:spTgt spid="20"/>
-                                        </p:tgtEl>
-                                      </p:cBhvr>
-                                    </p:animEffect>
-                                  </p:childTnLst>
-                                </p:cTn>
-                              </p:par>
-                              <p:par>
-                                <p:cTn id="22" presetID="10" presetClass="entr" presetSubtype="0" fill="hold" grpId="0" nodeType="withEffect">
-                                  <p:stCondLst>
-                                    <p:cond delay="0"/>
-                                  </p:stCondLst>
-                                  <p:childTnLst>
-                                    <p:set>
-                                      <p:cBhvr>
-                                        <p:cTn id="23" dur="1" fill="hold">
-                                          <p:stCondLst>
-                                            <p:cond delay="0"/>
-                                          </p:stCondLst>
-                                        </p:cTn>
-                                        <p:tgtEl>
-                                          <p:spTgt spid="13"/>
-                                        </p:tgtEl>
-                                        <p:attrNameLst>
-                                          <p:attrName>style.visibility</p:attrName>
-                                        </p:attrNameLst>
-                                      </p:cBhvr>
-                                      <p:to>
-                                        <p:strVal val="visible"/>
-                                      </p:to>
-                                    </p:set>
-                                    <p:animEffect transition="in" filter="fade">
-                                      <p:cBhvr>
-                                        <p:cTn id="24" dur="500"/>
-                                        <p:tgtEl>
-                                          <p:spTgt spid="13"/>
-                                        </p:tgtEl>
-                                      </p:cBhvr>
-                                    </p:animEffect>
-                                  </p:childTnLst>
-                                </p:cTn>
-                              </p:par>
-                              <p:par>
-                                <p:cTn id="25" presetID="10" presetClass="entr" presetSubtype="0" fill="hold" grpId="0" nodeType="withEffect">
-                                  <p:stCondLst>
-                                    <p:cond delay="0"/>
-                                  </p:stCondLst>
-                                  <p:childTnLst>
-                                    <p:set>
-                                      <p:cBhvr>
-                                        <p:cTn id="26" dur="1" fill="hold">
-                                          <p:stCondLst>
-                                            <p:cond delay="0"/>
-                                          </p:stCondLst>
-                                        </p:cTn>
-                                        <p:tgtEl>
-                                          <p:spTgt spid="10"/>
-                                        </p:tgtEl>
-                                        <p:attrNameLst>
-                                          <p:attrName>style.visibility</p:attrName>
-                                        </p:attrNameLst>
-                                      </p:cBhvr>
-                                      <p:to>
-                                        <p:strVal val="visible"/>
-                                      </p:to>
-                                    </p:set>
-                                    <p:animEffect transition="in" filter="fade">
-                                      <p:cBhvr>
-                                        <p:cTn id="27" dur="500"/>
-                                        <p:tgtEl>
-                                          <p:spTgt spid="10"/>
-                                        </p:tgtEl>
-                                      </p:cBhvr>
-                                    </p:animEffect>
-                                  </p:childTnLst>
-                                </p:cTn>
-                              </p:par>
-                            </p:childTnLst>
-                          </p:cTn>
-                        </p:par>
-                      </p:childTnLst>
-                    </p:cTn>
-                  </p:par>
-                  <p:par>
-                    <p:cTn id="28" fill="hold">
-                      <p:stCondLst>
-                        <p:cond delay="indefinite"/>
-                      </p:stCondLst>
-                      <p:childTnLst>
-                        <p:par>
-                          <p:cTn id="29" fill="hold">
-                            <p:stCondLst>
-                              <p:cond delay="0"/>
-                            </p:stCondLst>
-                            <p:childTnLst>
-                              <p:par>
-                                <p:cTn id="30" presetID="10" presetClass="entr" presetSubtype="0" fill="hold" grpId="0" nodeType="clickEffect">
-                                  <p:stCondLst>
-                                    <p:cond delay="0"/>
-                                  </p:stCondLst>
-                                  <p:childTnLst>
-                                    <p:set>
-                                      <p:cBhvr>
-                                        <p:cTn id="31" dur="1" fill="hold">
+                                        <p:cTn id="24" dur="1" fill="hold">
                                           <p:stCondLst>
                                             <p:cond delay="0"/>
                                           </p:stCondLst>
@@ -5573,26 +5544,18 @@
                                         <p:strVal val="visible"/>
                                       </p:to>
                                     </p:set>
-                                    <p:animEffect transition="in" filter="fade">
-                                      <p:cBhvr>
-                                        <p:cTn id="32" dur="500"/>
-                                        <p:tgtEl>
-                                          <p:spTgt spid="11"/>
-                                        </p:tgtEl>
-                                      </p:cBhvr>
-                                    </p:animEffect>
                                   </p:childTnLst>
                                 </p:cTn>
                               </p:par>
                               <p:par>
-                                <p:cTn id="33" presetID="10" presetClass="entr" presetSubtype="0" fill="hold" grpId="0" nodeType="withEffect">
+                                <p:cTn id="25" presetID="1" presetClass="entr" presetSubtype="0" fill="hold" grpId="0" nodeType="withEffect">
                                   <p:stCondLst>
                                     <p:cond delay="0"/>
                                   </p:stCondLst>
                                   <p:childTnLst>
                                     <p:set>
                                       <p:cBhvr>
-                                        <p:cTn id="34" dur="1" fill="hold">
+                                        <p:cTn id="26" dur="1" fill="hold">
                                           <p:stCondLst>
                                             <p:cond delay="0"/>
                                           </p:stCondLst>
@@ -5608,26 +5571,18 @@
                                         <p:strVal val="visible"/>
                                       </p:to>
                                     </p:set>
-                                    <p:animEffect transition="in" filter="fade">
-                                      <p:cBhvr>
-                                        <p:cTn id="35" dur="500"/>
-                                        <p:tgtEl>
-                                          <p:spTgt spid="21"/>
-                                        </p:tgtEl>
-                                      </p:cBhvr>
-                                    </p:animEffect>
                                   </p:childTnLst>
                                 </p:cTn>
                               </p:par>
                               <p:par>
-                                <p:cTn id="36" presetID="10" presetClass="entr" presetSubtype="0" fill="hold" grpId="0" nodeType="withEffect">
+                                <p:cTn id="27" presetID="1" presetClass="entr" presetSubtype="0" fill="hold" grpId="0" nodeType="withEffect">
                                   <p:stCondLst>
                                     <p:cond delay="0"/>
                                   </p:stCondLst>
                                   <p:childTnLst>
                                     <p:set>
                                       <p:cBhvr>
-                                        <p:cTn id="37" dur="1" fill="hold">
+                                        <p:cTn id="28" dur="1" fill="hold">
                                           <p:stCondLst>
                                             <p:cond delay="0"/>
                                           </p:stCondLst>
@@ -5643,26 +5598,18 @@
                                         <p:strVal val="visible"/>
                                       </p:to>
                                     </p:set>
-                                    <p:animEffect transition="in" filter="fade">
-                                      <p:cBhvr>
-                                        <p:cTn id="38" dur="500"/>
-                                        <p:tgtEl>
-                                          <p:spTgt spid="15"/>
-                                        </p:tgtEl>
-                                      </p:cBhvr>
-                                    </p:animEffect>
                                   </p:childTnLst>
                                 </p:cTn>
                               </p:par>
                               <p:par>
-                                <p:cTn id="39" presetID="10" presetClass="entr" presetSubtype="0" fill="hold" grpId="0" nodeType="withEffect">
+                                <p:cTn id="29" presetID="1" presetClass="entr" presetSubtype="0" fill="hold" grpId="0" nodeType="withEffect">
                                   <p:stCondLst>
                                     <p:cond delay="0"/>
                                   </p:stCondLst>
                                   <p:childTnLst>
                                     <p:set>
                                       <p:cBhvr>
-                                        <p:cTn id="40" dur="1" fill="hold">
+                                        <p:cTn id="30" dur="1" fill="hold">
                                           <p:stCondLst>
                                             <p:cond delay="0"/>
                                           </p:stCondLst>
@@ -5678,14 +5625,6 @@
                                         <p:strVal val="visible"/>
                                       </p:to>
                                     </p:set>
-                                    <p:animEffect transition="in" filter="fade">
-                                      <p:cBhvr>
-                                        <p:cTn id="41" dur="500"/>
-                                        <p:tgtEl>
-                                          <p:spTgt spid="16"/>
-                                        </p:tgtEl>
-                                      </p:cBhvr>
-                                    </p:animEffect>
                                   </p:childTnLst>
                                 </p:cTn>
                               </p:par>
@@ -5766,10 +5705,9 @@
           <a:lstStyle/>
           <a:p>
             <a:r>
-              <a:rPr lang="en-US" dirty="0" smtClean="0"/>
+              <a:rPr lang="en-US" dirty="0"/>
               <a:t>Why KLC?</a:t>
             </a:r>
-            <a:endParaRPr lang="en-US" dirty="0"/>
           </a:p>
         </p:txBody>
       </p:sp>
@@ -5789,7 +5727,7 @@
           <a:lstStyle/>
           <a:p>
             <a:r>
-              <a:rPr lang="en-US" smtClean="0"/>
+              <a:rPr lang="en-US"/>
               <a:t>Introduction and KLC</a:t>
             </a:r>
             <a:endParaRPr lang="en-US" dirty="0"/>
@@ -5848,7 +5786,7 @@
           </a:bodyPr>
           <a:lstStyle/>
           <a:p>
-            <a:endParaRPr lang="en-US" b="1" dirty="0" smtClean="0"/>
+            <a:endParaRPr lang="en-US" b="1" dirty="0"/>
           </a:p>
           <a:p>
             <a:pPr marL="742950" lvl="1" indent="-285750">
@@ -5856,7 +5794,7 @@
               <a:buChar char="•"/>
             </a:pPr>
             <a:r>
-              <a:rPr lang="en-US" dirty="0" smtClean="0"/>
+              <a:rPr lang="en-US" dirty="0"/>
               <a:t>Large capacity systems</a:t>
             </a:r>
           </a:p>
@@ -5866,7 +5804,7 @@
               <a:buChar char="•"/>
             </a:pPr>
             <a:r>
-              <a:rPr lang="en-US" dirty="0" smtClean="0"/>
+              <a:rPr lang="en-US" dirty="0"/>
               <a:t>Can work interactively or in batch mode</a:t>
             </a:r>
           </a:p>
@@ -5876,10 +5814,9 @@
               <a:buChar char="•"/>
             </a:pPr>
             <a:r>
-              <a:rPr lang="en-US" dirty="0" smtClean="0"/>
+              <a:rPr lang="en-US" dirty="0"/>
               <a:t>Can run long uninterrupted jobs</a:t>
             </a:r>
-            <a:endParaRPr lang="en-US" dirty="0"/>
           </a:p>
         </p:txBody>
       </p:sp>
@@ -6183,10 +6120,9 @@
           <a:lstStyle/>
           <a:p>
             <a:r>
-              <a:rPr lang="en-US" dirty="0" smtClean="0"/>
+              <a:rPr lang="en-US" dirty="0"/>
               <a:t>Conclusion</a:t>
             </a:r>
-            <a:endParaRPr lang="en-US" dirty="0"/>
           </a:p>
         </p:txBody>
       </p:sp>
@@ -6206,7 +6142,7 @@
           <a:lstStyle/>
           <a:p>
             <a:r>
-              <a:rPr lang="en-US" smtClean="0"/>
+              <a:rPr lang="en-US"/>
               <a:t>Introduction and KLC</a:t>
             </a:r>
             <a:endParaRPr lang="en-US" dirty="0"/>
@@ -6266,7 +6202,7 @@
           <a:lstStyle/>
           <a:p>
             <a:pPr lvl="1"/>
-            <a:endParaRPr lang="en-US" dirty="0" smtClean="0"/>
+            <a:endParaRPr lang="en-US" dirty="0"/>
           </a:p>
           <a:p>
             <a:pPr marL="742950" lvl="1" indent="-285750">
@@ -6274,37 +6210,37 @@
               <a:buChar char="•"/>
             </a:pPr>
             <a:r>
-              <a:rPr lang="en-US" dirty="0" smtClean="0"/>
+              <a:rPr lang="en-US" dirty="0"/>
               <a:t>Can connect with </a:t>
             </a:r>
             <a:r>
-              <a:rPr lang="en-US" dirty="0" err="1" smtClean="0"/>
+              <a:rPr lang="en-US" dirty="0" err="1"/>
               <a:t>ssh</a:t>
             </a:r>
             <a:r>
-              <a:rPr lang="en-US" dirty="0" smtClean="0"/>
+              <a:rPr lang="en-US" dirty="0"/>
               <a:t> client </a:t>
             </a:r>
             <a:r>
-              <a:rPr lang="en-US" u="sng" dirty="0" smtClean="0"/>
+              <a:rPr lang="en-US" u="sng" dirty="0"/>
               <a:t>or</a:t>
             </a:r>
             <a:r>
-              <a:rPr lang="en-US" dirty="0" smtClean="0"/>
+              <a:rPr lang="en-US" dirty="0"/>
               <a:t> </a:t>
             </a:r>
             <a:r>
-              <a:rPr lang="en-US" dirty="0" err="1" smtClean="0"/>
+              <a:rPr lang="en-US" dirty="0" err="1"/>
               <a:t>FastX</a:t>
             </a:r>
             <a:r>
-              <a:rPr lang="en-US" dirty="0" smtClean="0"/>
+              <a:rPr lang="en-US" dirty="0"/>
               <a:t> in browser.</a:t>
             </a:r>
           </a:p>
           <a:p>
             <a:pPr lvl="1"/>
-            <a:endParaRPr lang="en-US" dirty="0" smtClean="0"/>
+            <a:endParaRPr lang="en-US" dirty="0"/>
           </a:p>
           <a:p>
             <a:pPr marL="742950" lvl="1" indent="-285750">
@@ -6312,16 +6248,8 @@
               <a:buChar char="•"/>
             </a:pPr>
             <a:r>
-              <a:rPr lang="en-US" dirty="0" smtClean="0"/>
-              <a:t>Graphical </a:t>
-            </a:r>
-            <a:r>
-              <a:rPr lang="en-US" dirty="0" smtClean="0"/>
-              <a:t>interface (X11) is easy, but command line is faster</a:t>
-            </a:r>
-            <a:r>
-              <a:rPr lang="en-US" dirty="0" smtClean="0"/>
-              <a:t>.</a:t>
+              <a:rPr lang="en-US" dirty="0"/>
+              <a:t>Graphical interface (X11) is easy, but command line is faster.</a:t>
             </a:r>
           </a:p>
           <a:p>
@@ -6333,22 +6261,21 @@
               <a:buChar char="•"/>
             </a:pPr>
             <a:r>
-              <a:rPr lang="en-US" dirty="0" err="1" smtClean="0"/>
+              <a:rPr lang="en-US" dirty="0" err="1"/>
               <a:t>FastX</a:t>
             </a:r>
             <a:r>
-              <a:rPr lang="en-US" dirty="0" smtClean="0"/>
+              <a:rPr lang="en-US" dirty="0"/>
               <a:t> jobs keep running, </a:t>
             </a:r>
             <a:r>
-              <a:rPr lang="en-US" dirty="0" err="1" smtClean="0"/>
+              <a:rPr lang="en-US" dirty="0" err="1"/>
               <a:t>ssh</a:t>
             </a:r>
             <a:r>
-              <a:rPr lang="en-US" dirty="0" smtClean="0"/>
+              <a:rPr lang="en-US" dirty="0"/>
               <a:t> jobs die when you lose your connection. </a:t>
             </a:r>
-            <a:endParaRPr lang="en-US" dirty="0"/>
           </a:p>
           <a:p>
             <a:endParaRPr lang="en-US" dirty="0"/>
@@ -6405,13 +6332,6 @@
   <p:clrMapOvr>
     <a:masterClrMapping/>
   </p:clrMapOvr>
-  <p:timing>
-    <p:tnLst>
-      <p:par>
-        <p:cTn id="1" dur="indefinite" restart="never" nodeType="tmRoot"/>
-      </p:par>
-    </p:tnLst>
-  </p:timing>
 </p:sld>
 </file>
 
